--- a/mjm31 Project Presentation.pptx
+++ b/mjm31 Project Presentation.pptx
@@ -110,13 +110,18 @@
       </a:defRPr>
     </a:lvl9pPr>
   </p:defaultTextStyle>
+  <p:extLst>
+    <p:ext uri="{EFAFB233-063F-42B5-8137-9DF3F51BA10A}">
+      <p15:sldGuideLst xmlns:p15="http://schemas.microsoft.com/office/powerpoint/2012/main"/>
+    </p:ext>
+  </p:extLst>
 </p:presentation>
 </file>
 
 <file path=ppt/revisionInfo.xml><?xml version="1.0" encoding="utf-8"?>
 <p1510:revInfo xmlns:a="http://schemas.openxmlformats.org/drawingml/2006/main" xmlns:r="http://schemas.openxmlformats.org/officeDocument/2006/relationships" xmlns:p1510="http://schemas.microsoft.com/office/powerpoint/2015/10/main">
   <p1510:revLst>
-    <p1510:client id="{5A02D44E-69D5-4A47-AEBF-C92894CC7B4A}" v="45" dt="2020-12-14T00:46:59.597"/>
+    <p1510:client id="{5A02D44E-69D5-4A47-AEBF-C92894CC7B4A}" v="46" dt="2020-12-14T00:51:53.621"/>
   </p1510:revLst>
 </p1510:revInfo>
 </file>
@@ -126,7 +131,7 @@
   <pc:docChgLst>
     <pc:chgData name="McClanahan,Michael J" userId="3242ed14-64ad-458b-8883-3d430c7c26fa" providerId="ADAL" clId="{5A02D44E-69D5-4A47-AEBF-C92894CC7B4A}"/>
     <pc:docChg chg="undo custSel addSld delSld modSld sldOrd">
-      <pc:chgData name="McClanahan,Michael J" userId="3242ed14-64ad-458b-8883-3d430c7c26fa" providerId="ADAL" clId="{5A02D44E-69D5-4A47-AEBF-C92894CC7B4A}" dt="2020-12-14T00:48:54.912" v="2249" actId="20577"/>
+      <pc:chgData name="McClanahan,Michael J" userId="3242ed14-64ad-458b-8883-3d430c7c26fa" providerId="ADAL" clId="{5A02D44E-69D5-4A47-AEBF-C92894CC7B4A}" dt="2020-12-14T00:52:03.467" v="2252" actId="1076"/>
       <pc:docMkLst>
         <pc:docMk/>
       </pc:docMkLst>
@@ -217,7 +222,7 @@
         </pc:picChg>
       </pc:sldChg>
       <pc:sldChg chg="addSp delSp modSp add">
-        <pc:chgData name="McClanahan,Michael J" userId="3242ed14-64ad-458b-8883-3d430c7c26fa" providerId="ADAL" clId="{5A02D44E-69D5-4A47-AEBF-C92894CC7B4A}" dt="2020-12-14T00:46:01.418" v="1875" actId="1076"/>
+        <pc:chgData name="McClanahan,Michael J" userId="3242ed14-64ad-458b-8883-3d430c7c26fa" providerId="ADAL" clId="{5A02D44E-69D5-4A47-AEBF-C92894CC7B4A}" dt="2020-12-14T00:52:03.467" v="2252" actId="1076"/>
         <pc:sldMkLst>
           <pc:docMk/>
           <pc:sldMk cId="1757621704" sldId="261"/>
@@ -252,6 +257,14 @@
             <pc:docMk/>
             <pc:sldMk cId="1757621704" sldId="261"/>
             <ac:picMk id="3" creationId="{97BE6AC9-26E4-4151-A09B-5B28A6B41050}"/>
+          </ac:picMkLst>
+        </pc:picChg>
+        <pc:picChg chg="add mod">
+          <ac:chgData name="McClanahan,Michael J" userId="3242ed14-64ad-458b-8883-3d430c7c26fa" providerId="ADAL" clId="{5A02D44E-69D5-4A47-AEBF-C92894CC7B4A}" dt="2020-12-14T00:52:03.467" v="2252" actId="1076"/>
+          <ac:picMkLst>
+            <pc:docMk/>
+            <pc:sldMk cId="1757621704" sldId="261"/>
+            <ac:picMk id="4" creationId="{4E262371-2E6C-4376-9AC9-EC16E4DC47CE}"/>
           </ac:picMkLst>
         </pc:picChg>
         <pc:picChg chg="del">
@@ -6226,6 +6239,36 @@
           </a:ln>
         </p:spPr>
       </p:pic>
+      <p:pic>
+        <p:nvPicPr>
+          <p:cNvPr id="4" name="Picture 3">
+            <a:extLst>
+              <a:ext uri="{FF2B5EF4-FFF2-40B4-BE49-F238E27FC236}">
+                <a16:creationId xmlns:a16="http://schemas.microsoft.com/office/drawing/2014/main" id="{4E262371-2E6C-4376-9AC9-EC16E4DC47CE}"/>
+              </a:ext>
+            </a:extLst>
+          </p:cNvPr>
+          <p:cNvPicPr>
+            <a:picLocks noChangeAspect="1"/>
+          </p:cNvPicPr>
+          <p:nvPr/>
+        </p:nvPicPr>
+        <p:blipFill>
+          <a:blip r:embed="rId5"/>
+          <a:stretch>
+            <a:fillRect/>
+          </a:stretch>
+        </p:blipFill>
+        <p:spPr>
+          <a:xfrm>
+            <a:off x="1282404" y="4284332"/>
+            <a:ext cx="609631" cy="1257365"/>
+          </a:xfrm>
+          <a:prstGeom prst="rect">
+            <a:avLst/>
+          </a:prstGeom>
+        </p:spPr>
+      </p:pic>
     </p:spTree>
     <p:extLst>
       <p:ext uri="{BB962C8B-B14F-4D97-AF65-F5344CB8AC3E}">
@@ -6865,6 +6908,15 @@
 </file>
 
 <file path=customXml/item1.xml><?xml version="1.0" encoding="utf-8"?>
+<?mso-contentType ?>
+<FormTemplates xmlns="http://schemas.microsoft.com/sharepoint/v3/contenttype/forms">
+  <Display>DocumentLibraryForm</Display>
+  <Edit>DocumentLibraryForm</Edit>
+  <New>DocumentLibraryForm</New>
+</FormTemplates>
+</file>
+
+<file path=customXml/item2.xml><?xml version="1.0" encoding="utf-8"?>
 <ct:contentTypeSchema xmlns:ct="http://schemas.microsoft.com/office/2006/metadata/contentType" xmlns:ma="http://schemas.microsoft.com/office/2006/metadata/properties/metaAttributes" ct:_="" ma:_="" ma:contentTypeName="Document" ma:contentTypeID="0x010100F305C7E5E7992645A71EB9F76899E953" ma:contentTypeVersion="13" ma:contentTypeDescription="Create a new document." ma:contentTypeScope="" ma:versionID="d4686c2e688c548d102ab593917d1af6">
   <xsd:schema xmlns:xsd="http://www.w3.org/2001/XMLSchema" xmlns:xs="http://www.w3.org/2001/XMLSchema" xmlns:p="http://schemas.microsoft.com/office/2006/metadata/properties" xmlns:ns3="75513505-df5c-432b-a7c4-8a87d96884ba" xmlns:ns4="d3d3a2e7-22be-4155-961b-62f3e99b26ae" targetNamespace="http://schemas.microsoft.com/office/2006/metadata/properties" ma:root="true" ma:fieldsID="b88a855b0305abcb8b3191fc420368f0" ns3:_="" ns4:_="">
     <xsd:import namespace="75513505-df5c-432b-a7c4-8a87d96884ba"/>
@@ -7087,15 +7139,6 @@
 </ct:contentTypeSchema>
 </file>
 
-<file path=customXml/item2.xml><?xml version="1.0" encoding="utf-8"?>
-<?mso-contentType ?>
-<FormTemplates xmlns="http://schemas.microsoft.com/sharepoint/v3/contenttype/forms">
-  <Display>DocumentLibraryForm</Display>
-  <Edit>DocumentLibraryForm</Edit>
-  <New>DocumentLibraryForm</New>
-</FormTemplates>
-</file>
-
 <file path=customXml/item3.xml><?xml version="1.0" encoding="utf-8"?>
 <p:properties xmlns:p="http://schemas.microsoft.com/office/2006/metadata/properties" xmlns:xsi="http://www.w3.org/2001/XMLSchema-instance" xmlns:pc="http://schemas.microsoft.com/office/infopath/2007/PartnerControls">
   <documentManagement/>
@@ -7103,6 +7146,14 @@
 </file>
 
 <file path=customXml/itemProps1.xml><?xml version="1.0" encoding="utf-8"?>
+<ds:datastoreItem xmlns:ds="http://schemas.openxmlformats.org/officeDocument/2006/customXml" ds:itemID="{F7BB8795-6E28-4D39-A4B0-1C31844DA74F}">
+  <ds:schemaRefs>
+    <ds:schemaRef ds:uri="http://schemas.microsoft.com/sharepoint/v3/contenttype/forms"/>
+  </ds:schemaRefs>
+</ds:datastoreItem>
+</file>
+
+<file path=customXml/itemProps2.xml><?xml version="1.0" encoding="utf-8"?>
 <ds:datastoreItem xmlns:ds="http://schemas.openxmlformats.org/officeDocument/2006/customXml" ds:itemID="{9A1B3034-5869-4CA3-B339-5BDCAD4A3CD4}">
   <ds:schemaRefs>
     <ds:schemaRef ds:uri="http://schemas.microsoft.com/office/2006/metadata/contentType"/>
@@ -7121,14 +7172,6 @@
 </ds:datastoreItem>
 </file>
 
-<file path=customXml/itemProps2.xml><?xml version="1.0" encoding="utf-8"?>
-<ds:datastoreItem xmlns:ds="http://schemas.openxmlformats.org/officeDocument/2006/customXml" ds:itemID="{F7BB8795-6E28-4D39-A4B0-1C31844DA74F}">
-  <ds:schemaRefs>
-    <ds:schemaRef ds:uri="http://schemas.microsoft.com/sharepoint/v3/contenttype/forms"/>
-  </ds:schemaRefs>
-</ds:datastoreItem>
-</file>
-
 <file path=customXml/itemProps3.xml><?xml version="1.0" encoding="utf-8"?>
 <ds:datastoreItem xmlns:ds="http://schemas.openxmlformats.org/officeDocument/2006/customXml" ds:itemID="{D9D6399A-B644-4289-A760-F3AF8944A4F0}">
   <ds:schemaRefs>
